--- a/doc/课程封面.pptx
+++ b/doc/课程封面.pptx
@@ -104,6 +104,11 @@
       </a:defRPr>
     </a:lvl9pPr>
   </p:defaultTextStyle>
+  <p:extLst>
+    <p:ext uri="{EFAFB233-063F-42B5-8137-9DF3F51BA10A}">
+      <p15:sldGuideLst xmlns:p15="http://schemas.microsoft.com/office/powerpoint/2012/main"/>
+    </p:ext>
+  </p:extLst>
 </p:presentation>
 </file>
 
@@ -281,7 +286,7 @@
           <a:p>
             <a:fld id="{8238C3DD-0DD2-4A91-8062-47C93ED4B37D}" type="datetimeFigureOut">
               <a:rPr lang="zh-CN" altLang="en-US" smtClean="0"/>
-              <a:t>2018/1/15</a:t>
+              <a:t>2018/1/16</a:t>
             </a:fld>
             <a:endParaRPr lang="zh-CN" altLang="en-US"/>
           </a:p>
@@ -548,7 +553,7 @@
           <a:p>
             <a:fld id="{8238C3DD-0DD2-4A91-8062-47C93ED4B37D}" type="datetimeFigureOut">
               <a:rPr lang="zh-CN" altLang="en-US" smtClean="0"/>
-              <a:t>2018/1/15</a:t>
+              <a:t>2018/1/16</a:t>
             </a:fld>
             <a:endParaRPr lang="zh-CN" altLang="en-US"/>
           </a:p>
@@ -779,7 +784,7 @@
           <a:p>
             <a:fld id="{8238C3DD-0DD2-4A91-8062-47C93ED4B37D}" type="datetimeFigureOut">
               <a:rPr lang="zh-CN" altLang="en-US" smtClean="0"/>
-              <a:t>2018/1/15</a:t>
+              <a:t>2018/1/16</a:t>
             </a:fld>
             <a:endParaRPr lang="zh-CN" altLang="en-US"/>
           </a:p>
@@ -1089,7 +1094,7 @@
           <a:p>
             <a:fld id="{8238C3DD-0DD2-4A91-8062-47C93ED4B37D}" type="datetimeFigureOut">
               <a:rPr lang="zh-CN" altLang="en-US" smtClean="0"/>
-              <a:t>2018/1/15</a:t>
+              <a:t>2018/1/16</a:t>
             </a:fld>
             <a:endParaRPr lang="zh-CN" altLang="en-US"/>
           </a:p>
@@ -1562,7 +1567,7 @@
           <a:p>
             <a:fld id="{8238C3DD-0DD2-4A91-8062-47C93ED4B37D}" type="datetimeFigureOut">
               <a:rPr lang="zh-CN" altLang="en-US" smtClean="0"/>
-              <a:t>2018/1/15</a:t>
+              <a:t>2018/1/16</a:t>
             </a:fld>
             <a:endParaRPr lang="zh-CN" altLang="en-US"/>
           </a:p>
@@ -2109,7 +2114,7 @@
           <a:p>
             <a:fld id="{8238C3DD-0DD2-4A91-8062-47C93ED4B37D}" type="datetimeFigureOut">
               <a:rPr lang="zh-CN" altLang="en-US" smtClean="0"/>
-              <a:t>2018/1/15</a:t>
+              <a:t>2018/1/16</a:t>
             </a:fld>
             <a:endParaRPr lang="zh-CN" altLang="en-US"/>
           </a:p>
@@ -2883,7 +2888,7 @@
           <a:p>
             <a:fld id="{8238C3DD-0DD2-4A91-8062-47C93ED4B37D}" type="datetimeFigureOut">
               <a:rPr lang="zh-CN" altLang="en-US" smtClean="0"/>
-              <a:t>2018/1/15</a:t>
+              <a:t>2018/1/16</a:t>
             </a:fld>
             <a:endParaRPr lang="zh-CN" altLang="en-US"/>
           </a:p>
@@ -3058,7 +3063,7 @@
           <a:p>
             <a:fld id="{8238C3DD-0DD2-4A91-8062-47C93ED4B37D}" type="datetimeFigureOut">
               <a:rPr lang="zh-CN" altLang="en-US" smtClean="0"/>
-              <a:t>2018/1/15</a:t>
+              <a:t>2018/1/16</a:t>
             </a:fld>
             <a:endParaRPr lang="zh-CN" altLang="en-US"/>
           </a:p>
@@ -3281,7 +3286,7 @@
           <a:p>
             <a:fld id="{8238C3DD-0DD2-4A91-8062-47C93ED4B37D}" type="datetimeFigureOut">
               <a:rPr lang="zh-CN" altLang="en-US" smtClean="0"/>
-              <a:t>2018/1/15</a:t>
+              <a:t>2018/1/16</a:t>
             </a:fld>
             <a:endParaRPr lang="zh-CN" altLang="en-US"/>
           </a:p>
@@ -3461,7 +3466,7 @@
           <a:p>
             <a:fld id="{8238C3DD-0DD2-4A91-8062-47C93ED4B37D}" type="datetimeFigureOut">
               <a:rPr lang="zh-CN" altLang="en-US" smtClean="0"/>
-              <a:t>2018/1/15</a:t>
+              <a:t>2018/1/16</a:t>
             </a:fld>
             <a:endParaRPr lang="zh-CN" altLang="en-US"/>
           </a:p>
@@ -3750,7 +3755,7 @@
           <a:p>
             <a:fld id="{8238C3DD-0DD2-4A91-8062-47C93ED4B37D}" type="datetimeFigureOut">
               <a:rPr lang="zh-CN" altLang="en-US" smtClean="0"/>
-              <a:t>2018/1/15</a:t>
+              <a:t>2018/1/16</a:t>
             </a:fld>
             <a:endParaRPr lang="zh-CN" altLang="en-US"/>
           </a:p>
@@ -3992,7 +3997,7 @@
           <a:p>
             <a:fld id="{8238C3DD-0DD2-4A91-8062-47C93ED4B37D}" type="datetimeFigureOut">
               <a:rPr lang="zh-CN" altLang="en-US" smtClean="0"/>
-              <a:t>2018/1/15</a:t>
+              <a:t>2018/1/16</a:t>
             </a:fld>
             <a:endParaRPr lang="zh-CN" altLang="en-US"/>
           </a:p>
@@ -4371,7 +4376,7 @@
           <a:p>
             <a:fld id="{8238C3DD-0DD2-4A91-8062-47C93ED4B37D}" type="datetimeFigureOut">
               <a:rPr lang="zh-CN" altLang="en-US" smtClean="0"/>
-              <a:t>2018/1/15</a:t>
+              <a:t>2018/1/16</a:t>
             </a:fld>
             <a:endParaRPr lang="zh-CN" altLang="en-US"/>
           </a:p>
@@ -4489,7 +4494,7 @@
           <a:p>
             <a:fld id="{8238C3DD-0DD2-4A91-8062-47C93ED4B37D}" type="datetimeFigureOut">
               <a:rPr lang="zh-CN" altLang="en-US" smtClean="0"/>
-              <a:t>2018/1/15</a:t>
+              <a:t>2018/1/16</a:t>
             </a:fld>
             <a:endParaRPr lang="zh-CN" altLang="en-US"/>
           </a:p>
@@ -4584,7 +4589,7 @@
           <a:p>
             <a:fld id="{8238C3DD-0DD2-4A91-8062-47C93ED4B37D}" type="datetimeFigureOut">
               <a:rPr lang="zh-CN" altLang="en-US" smtClean="0"/>
-              <a:t>2018/1/15</a:t>
+              <a:t>2018/1/16</a:t>
             </a:fld>
             <a:endParaRPr lang="zh-CN" altLang="en-US"/>
           </a:p>
@@ -4833,7 +4838,7 @@
           <a:p>
             <a:fld id="{8238C3DD-0DD2-4A91-8062-47C93ED4B37D}" type="datetimeFigureOut">
               <a:rPr lang="zh-CN" altLang="en-US" smtClean="0"/>
-              <a:t>2018/1/15</a:t>
+              <a:t>2018/1/16</a:t>
             </a:fld>
             <a:endParaRPr lang="zh-CN" altLang="en-US"/>
           </a:p>
@@ -5090,7 +5095,7 @@
           <a:p>
             <a:fld id="{8238C3DD-0DD2-4A91-8062-47C93ED4B37D}" type="datetimeFigureOut">
               <a:rPr lang="zh-CN" altLang="en-US" smtClean="0"/>
-              <a:t>2018/1/15</a:t>
+              <a:t>2018/1/16</a:t>
             </a:fld>
             <a:endParaRPr lang="zh-CN" altLang="en-US"/>
           </a:p>
@@ -5333,7 +5338,7 @@
           <a:p>
             <a:fld id="{8238C3DD-0DD2-4A91-8062-47C93ED4B37D}" type="datetimeFigureOut">
               <a:rPr lang="zh-CN" altLang="en-US" smtClean="0"/>
-              <a:t>2018/1/15</a:t>
+              <a:t>2018/1/16</a:t>
             </a:fld>
             <a:endParaRPr lang="zh-CN" altLang="en-US"/>
           </a:p>
@@ -5758,8 +5763,8 @@
         </p:nvSpPr>
         <p:spPr>
           <a:xfrm>
-            <a:off x="-182605" y="1480147"/>
-            <a:ext cx="12374605" cy="1421928"/>
+            <a:off x="423885" y="1448664"/>
+            <a:ext cx="12374605" cy="1311128"/>
           </a:xfrm>
           <a:prstGeom prst="rect">
             <a:avLst/>
@@ -5778,12 +5783,12 @@
               </a:lnSpc>
             </a:pPr>
             <a:r>
-              <a:rPr lang="en-US" altLang="zh-CN" sz="9600" b="1" dirty="0" err="1">
+              <a:rPr lang="en-US" altLang="zh-CN" sz="8800" b="1" dirty="0" err="1">
                 <a:latin typeface="Californian FB" panose="0207040306080B030204" pitchFamily="18" charset="0"/>
               </a:rPr>
               <a:t>SpringBoot+Redis+MQ</a:t>
             </a:r>
-            <a:endParaRPr lang="zh-CN" altLang="zh-CN" sz="9600" b="1" noProof="1">
+            <a:endParaRPr lang="zh-CN" altLang="zh-CN" sz="8800" b="1" noProof="1">
               <a:latin typeface="Californian FB" panose="0207040306080B030204" pitchFamily="18" charset="0"/>
               <a:sym typeface="微软雅黑" panose="020B0503020204020204" pitchFamily="34" charset="-122"/>
             </a:endParaRPr>
